--- a/Presentation_30.pptx
+++ b/Presentation_30.pptx
@@ -264,7 +264,7 @@
           <a:p>
             <a:fld id="{8D86A25D-E1AB-432A-955E-2287CD80326E}" type="datetimeFigureOut">
               <a:rPr lang="en-US" smtClean="0"/>
-              <a:t>1/16/2022</a:t>
+              <a:t>18-Jan-22</a:t>
             </a:fld>
             <a:endParaRPr lang="en-US"/>
           </a:p>
@@ -462,7 +462,7 @@
           <a:p>
             <a:fld id="{8D86A25D-E1AB-432A-955E-2287CD80326E}" type="datetimeFigureOut">
               <a:rPr lang="en-US" smtClean="0"/>
-              <a:t>1/16/2022</a:t>
+              <a:t>18-Jan-22</a:t>
             </a:fld>
             <a:endParaRPr lang="en-US"/>
           </a:p>
@@ -670,7 +670,7 @@
           <a:p>
             <a:fld id="{8D86A25D-E1AB-432A-955E-2287CD80326E}" type="datetimeFigureOut">
               <a:rPr lang="en-US" smtClean="0"/>
-              <a:t>1/16/2022</a:t>
+              <a:t>18-Jan-22</a:t>
             </a:fld>
             <a:endParaRPr lang="en-US"/>
           </a:p>
@@ -868,7 +868,7 @@
           <a:p>
             <a:fld id="{8D86A25D-E1AB-432A-955E-2287CD80326E}" type="datetimeFigureOut">
               <a:rPr lang="en-US" smtClean="0"/>
-              <a:t>1/16/2022</a:t>
+              <a:t>18-Jan-22</a:t>
             </a:fld>
             <a:endParaRPr lang="en-US"/>
           </a:p>
@@ -1143,7 +1143,7 @@
           <a:p>
             <a:fld id="{8D86A25D-E1AB-432A-955E-2287CD80326E}" type="datetimeFigureOut">
               <a:rPr lang="en-US" smtClean="0"/>
-              <a:t>1/16/2022</a:t>
+              <a:t>18-Jan-22</a:t>
             </a:fld>
             <a:endParaRPr lang="en-US"/>
           </a:p>
@@ -1408,7 +1408,7 @@
           <a:p>
             <a:fld id="{8D86A25D-E1AB-432A-955E-2287CD80326E}" type="datetimeFigureOut">
               <a:rPr lang="en-US" smtClean="0"/>
-              <a:t>1/16/2022</a:t>
+              <a:t>18-Jan-22</a:t>
             </a:fld>
             <a:endParaRPr lang="en-US"/>
           </a:p>
@@ -1820,7 +1820,7 @@
           <a:p>
             <a:fld id="{8D86A25D-E1AB-432A-955E-2287CD80326E}" type="datetimeFigureOut">
               <a:rPr lang="en-US" smtClean="0"/>
-              <a:t>1/16/2022</a:t>
+              <a:t>18-Jan-22</a:t>
             </a:fld>
             <a:endParaRPr lang="en-US"/>
           </a:p>
@@ -1961,7 +1961,7 @@
           <a:p>
             <a:fld id="{8D86A25D-E1AB-432A-955E-2287CD80326E}" type="datetimeFigureOut">
               <a:rPr lang="en-US" smtClean="0"/>
-              <a:t>1/16/2022</a:t>
+              <a:t>18-Jan-22</a:t>
             </a:fld>
             <a:endParaRPr lang="en-US"/>
           </a:p>
@@ -2074,7 +2074,7 @@
           <a:p>
             <a:fld id="{8D86A25D-E1AB-432A-955E-2287CD80326E}" type="datetimeFigureOut">
               <a:rPr lang="en-US" smtClean="0"/>
-              <a:t>1/16/2022</a:t>
+              <a:t>18-Jan-22</a:t>
             </a:fld>
             <a:endParaRPr lang="en-US"/>
           </a:p>
@@ -2385,7 +2385,7 @@
           <a:p>
             <a:fld id="{8D86A25D-E1AB-432A-955E-2287CD80326E}" type="datetimeFigureOut">
               <a:rPr lang="en-US" smtClean="0"/>
-              <a:t>1/16/2022</a:t>
+              <a:t>18-Jan-22</a:t>
             </a:fld>
             <a:endParaRPr lang="en-US"/>
           </a:p>
@@ -2673,7 +2673,7 @@
           <a:p>
             <a:fld id="{8D86A25D-E1AB-432A-955E-2287CD80326E}" type="datetimeFigureOut">
               <a:rPr lang="en-US" smtClean="0"/>
-              <a:t>1/16/2022</a:t>
+              <a:t>18-Jan-22</a:t>
             </a:fld>
             <a:endParaRPr lang="en-US"/>
           </a:p>
@@ -2914,7 +2914,7 @@
           <a:p>
             <a:fld id="{8D86A25D-E1AB-432A-955E-2287CD80326E}" type="datetimeFigureOut">
               <a:rPr lang="en-US" smtClean="0"/>
-              <a:t>1/16/2022</a:t>
+              <a:t>18-Jan-22</a:t>
             </a:fld>
             <a:endParaRPr lang="en-US"/>
           </a:p>
@@ -3361,18 +3361,16 @@
           <a:p>
             <a:pPr algn="ctr"/>
             <a:r>
-              <a:rPr lang="el-GR" sz="2400"/>
+              <a:rPr lang="el-GR" sz="2400" dirty="0"/>
               <a:t>ΒΑΣΕΙΣ ΔΕΔΟΜΕΝΩΝ</a:t>
             </a:r>
-            <a:endParaRPr lang="el-GR" sz="2400" dirty="0"/>
           </a:p>
           <a:p>
             <a:pPr algn="ctr"/>
             <a:r>
-              <a:rPr lang="el-GR" sz="2400"/>
-              <a:t>Ενδιάμεση Παρουσίαση Ομαδικής Εργασίας</a:t>
-            </a:r>
-            <a:endParaRPr lang="el-GR" sz="2400" dirty="0"/>
+              <a:rPr lang="el-GR" sz="2400" dirty="0"/>
+              <a:t>Τελική Παρουσίαση Ομαδικής Εργασίας</a:t>
+            </a:r>
           </a:p>
           <a:p>
             <a:pPr algn="ctr"/>
@@ -3381,7 +3379,7 @@
           <a:p>
             <a:pPr algn="ctr"/>
             <a:r>
-              <a:rPr lang="el-GR" sz="2400"/>
+              <a:rPr lang="el-GR" sz="2400" dirty="0"/>
               <a:t>Εφαρμογή αναζήτησης/κρατήσεων αεροπορικών/ακτοπλοϊκών εισιτηρίων</a:t>
             </a:r>
             <a:endParaRPr lang="en-US" sz="2400" dirty="0"/>
@@ -3959,15 +3957,15 @@
       </p:grpSpPr>
       <p:pic>
         <p:nvPicPr>
-          <p:cNvPr id="1026" name="Picture 2">
-            <a:extLst>
-              <a:ext uri="{FF2B5EF4-FFF2-40B4-BE49-F238E27FC236}">
-                <a16:creationId xmlns:a16="http://schemas.microsoft.com/office/drawing/2014/main" id="{1B18C234-C4BF-4BEF-8DCE-5A802A4DA325}"/>
+          <p:cNvPr id="5" name="Picture 4">
+            <a:extLst>
+              <a:ext uri="{FF2B5EF4-FFF2-40B4-BE49-F238E27FC236}">
+                <a16:creationId xmlns:a16="http://schemas.microsoft.com/office/drawing/2014/main" id="{2E577FF2-5F80-43E2-8122-280900894B7B}"/>
               </a:ext>
             </a:extLst>
           </p:cNvPr>
           <p:cNvPicPr>
-            <a:picLocks noChangeAspect="1" noChangeArrowheads="1"/>
+            <a:picLocks noChangeAspect="1"/>
           </p:cNvPicPr>
           <p:nvPr/>
         </p:nvPicPr>
@@ -3979,29 +3977,18 @@
               </a:ext>
             </a:extLst>
           </a:blip>
-          <a:srcRect/>
           <a:stretch>
             <a:fillRect/>
           </a:stretch>
         </p:blipFill>
-        <p:spPr bwMode="auto">
+        <p:spPr>
           <a:xfrm>
-            <a:off x="646113" y="0"/>
-            <a:ext cx="10899775" cy="6858000"/>
+            <a:off x="646504" y="0"/>
+            <a:ext cx="10898992" cy="6858000"/>
           </a:xfrm>
           <a:prstGeom prst="rect">
             <a:avLst/>
           </a:prstGeom>
-          <a:noFill/>
-          <a:extLst>
-            <a:ext uri="{909E8E84-426E-40DD-AFC4-6F175D3DCCD1}">
-              <a14:hiddenFill xmlns:a14="http://schemas.microsoft.com/office/drawing/2010/main">
-                <a:solidFill>
-                  <a:srgbClr val="FFFFFF"/>
-                </a:solidFill>
-              </a14:hiddenFill>
-            </a:ext>
-          </a:extLst>
         </p:spPr>
       </p:pic>
     </p:spTree>
